--- a/pptx-fe2/Thuyet_trinh_nhom_7.pptx
+++ b/pptx-fe2/Thuyet_trinh_nhom_7.pptx
@@ -5,7 +5,7 @@
     <p:sldMasterId id="2147483648" r:id="rId1"/>
   </p:sldMasterIdLst>
   <p:notesMasterIdLst>
-    <p:notesMasterId r:id="rId19"/>
+    <p:notesMasterId r:id="rId21"/>
   </p:notesMasterIdLst>
   <p:sldIdLst>
     <p:sldId id="256" r:id="rId2"/>
@@ -25,6 +25,8 @@
     <p:sldId id="270" r:id="rId16"/>
     <p:sldId id="271" r:id="rId17"/>
     <p:sldId id="272" r:id="rId18"/>
+    <p:sldId id="274" r:id="rId19"/>
+    <p:sldId id="273" r:id="rId20"/>
   </p:sldIdLst>
   <p:sldSz cx="12192000" cy="6858000"/>
   <p:notesSz cx="6858000" cy="9144000"/>
@@ -123,6 +125,11 @@
       </a:defRPr>
     </a:lvl9pPr>
   </p:defaultTextStyle>
+  <p:extLst>
+    <p:ext uri="{EFAFB233-063F-42B5-8137-9DF3F51BA10A}">
+      <p15:sldGuideLst xmlns:p15="http://schemas.microsoft.com/office/powerpoint/2012/main"/>
+    </p:ext>
+  </p:extLst>
 </p:presentation>
 </file>
 
@@ -220,7 +227,7 @@
           <a:p>
             <a:fld id="{EEC02450-DA70-442A-9201-D00EF5FAD1C1}" type="datetimeFigureOut">
               <a:rPr lang="en-US" smtClean="0"/>
-              <a:t>6/20/2021</a:t>
+              <a:t>6/21/2021</a:t>
             </a:fld>
             <a:endParaRPr lang="en-US"/>
           </a:p>
@@ -687,7 +694,7 @@
                 <a:effectLst/>
                 <a:latin typeface="Open Sans" panose="020B0604020202020204" pitchFamily="34" charset="0"/>
               </a:rPr>
-              <a:t> Tthực thi khi </a:t>
+              <a:t> Thực thi khi </a:t>
             </a:r>
             <a:r>
               <a:rPr lang="vi-VN" b="0" i="0" u="sng" dirty="0">
@@ -1285,7 +1292,7 @@
           <a:p>
             <a:fld id="{AFDEFD6B-B25A-4A1F-88C0-07589ACE3EC9}" type="datetimeFigureOut">
               <a:rPr lang="en-US" smtClean="0"/>
-              <a:t>6/20/2021</a:t>
+              <a:t>6/21/2021</a:t>
             </a:fld>
             <a:endParaRPr lang="en-US"/>
           </a:p>
@@ -1483,7 +1490,7 @@
           <a:p>
             <a:fld id="{AFDEFD6B-B25A-4A1F-88C0-07589ACE3EC9}" type="datetimeFigureOut">
               <a:rPr lang="en-US" smtClean="0"/>
-              <a:t>6/20/2021</a:t>
+              <a:t>6/21/2021</a:t>
             </a:fld>
             <a:endParaRPr lang="en-US"/>
           </a:p>
@@ -1691,7 +1698,7 @@
           <a:p>
             <a:fld id="{AFDEFD6B-B25A-4A1F-88C0-07589ACE3EC9}" type="datetimeFigureOut">
               <a:rPr lang="en-US" smtClean="0"/>
-              <a:t>6/20/2021</a:t>
+              <a:t>6/21/2021</a:t>
             </a:fld>
             <a:endParaRPr lang="en-US"/>
           </a:p>
@@ -1889,7 +1896,7 @@
           <a:p>
             <a:fld id="{AFDEFD6B-B25A-4A1F-88C0-07589ACE3EC9}" type="datetimeFigureOut">
               <a:rPr lang="en-US" smtClean="0"/>
-              <a:t>6/20/2021</a:t>
+              <a:t>6/21/2021</a:t>
             </a:fld>
             <a:endParaRPr lang="en-US"/>
           </a:p>
@@ -2164,7 +2171,7 @@
           <a:p>
             <a:fld id="{AFDEFD6B-B25A-4A1F-88C0-07589ACE3EC9}" type="datetimeFigureOut">
               <a:rPr lang="en-US" smtClean="0"/>
-              <a:t>6/20/2021</a:t>
+              <a:t>6/21/2021</a:t>
             </a:fld>
             <a:endParaRPr lang="en-US"/>
           </a:p>
@@ -2429,7 +2436,7 @@
           <a:p>
             <a:fld id="{AFDEFD6B-B25A-4A1F-88C0-07589ACE3EC9}" type="datetimeFigureOut">
               <a:rPr lang="en-US" smtClean="0"/>
-              <a:t>6/20/2021</a:t>
+              <a:t>6/21/2021</a:t>
             </a:fld>
             <a:endParaRPr lang="en-US"/>
           </a:p>
@@ -2841,7 +2848,7 @@
           <a:p>
             <a:fld id="{AFDEFD6B-B25A-4A1F-88C0-07589ACE3EC9}" type="datetimeFigureOut">
               <a:rPr lang="en-US" smtClean="0"/>
-              <a:t>6/20/2021</a:t>
+              <a:t>6/21/2021</a:t>
             </a:fld>
             <a:endParaRPr lang="en-US"/>
           </a:p>
@@ -2982,7 +2989,7 @@
           <a:p>
             <a:fld id="{AFDEFD6B-B25A-4A1F-88C0-07589ACE3EC9}" type="datetimeFigureOut">
               <a:rPr lang="en-US" smtClean="0"/>
-              <a:t>6/20/2021</a:t>
+              <a:t>6/21/2021</a:t>
             </a:fld>
             <a:endParaRPr lang="en-US"/>
           </a:p>
@@ -3095,7 +3102,7 @@
           <a:p>
             <a:fld id="{AFDEFD6B-B25A-4A1F-88C0-07589ACE3EC9}" type="datetimeFigureOut">
               <a:rPr lang="en-US" smtClean="0"/>
-              <a:t>6/20/2021</a:t>
+              <a:t>6/21/2021</a:t>
             </a:fld>
             <a:endParaRPr lang="en-US"/>
           </a:p>
@@ -3406,7 +3413,7 @@
           <a:p>
             <a:fld id="{AFDEFD6B-B25A-4A1F-88C0-07589ACE3EC9}" type="datetimeFigureOut">
               <a:rPr lang="en-US" smtClean="0"/>
-              <a:t>6/20/2021</a:t>
+              <a:t>6/21/2021</a:t>
             </a:fld>
             <a:endParaRPr lang="en-US"/>
           </a:p>
@@ -3694,7 +3701,7 @@
           <a:p>
             <a:fld id="{AFDEFD6B-B25A-4A1F-88C0-07589ACE3EC9}" type="datetimeFigureOut">
               <a:rPr lang="en-US" smtClean="0"/>
-              <a:t>6/20/2021</a:t>
+              <a:t>6/21/2021</a:t>
             </a:fld>
             <a:endParaRPr lang="en-US"/>
           </a:p>
@@ -3935,7 +3942,7 @@
           <a:p>
             <a:fld id="{AFDEFD6B-B25A-4A1F-88C0-07589ACE3EC9}" type="datetimeFigureOut">
               <a:rPr lang="en-US" smtClean="0"/>
-              <a:t>6/20/2021</a:t>
+              <a:t>6/21/2021</a:t>
             </a:fld>
             <a:endParaRPr lang="en-US"/>
           </a:p>
@@ -4404,13 +4411,13 @@
           <a:p>
             <a:r>
               <a:rPr lang="vi-VN" dirty="0"/>
-              <a:t>Giáo viên hướng dẫn: Nguyễn Huy Hoàng</a:t>
+              <a:t>Giáo viên hướng dẫn: Thầy Nguyễn Huy Hoàng</a:t>
             </a:r>
           </a:p>
           <a:p>
             <a:r>
               <a:rPr lang="vi-VN" dirty="0"/>
-              <a:t>Đề tài: </a:t>
+              <a:t>Chủ đề: </a:t>
             </a:r>
             <a:r>
               <a:rPr lang="en-US" dirty="0"/>
@@ -5048,10 +5055,6 @@
             <a:pPr marL="0" indent="0">
               <a:buNone/>
             </a:pPr>
-            <a:r>
-              <a:rPr lang="vi-VN" b="1" dirty="0"/>
-              <a:t>Ví dụ:</a:t>
-            </a:r>
             <a:endParaRPr lang="en-US" b="1" dirty="0"/>
           </a:p>
         </p:txBody>
@@ -5078,7 +5081,7 @@
         </p:blipFill>
         <p:spPr>
           <a:xfrm>
-            <a:off x="838200" y="2438401"/>
+            <a:off x="838200" y="1825625"/>
             <a:ext cx="10515600" cy="4054474"/>
           </a:xfrm>
           <a:prstGeom prst="rect">
@@ -5514,6 +5517,217 @@
     <p:extLst>
       <p:ext uri="{BB962C8B-B14F-4D97-AF65-F5344CB8AC3E}">
         <p14:creationId xmlns:p14="http://schemas.microsoft.com/office/powerpoint/2010/main" val="3800972715"/>
+      </p:ext>
+    </p:extLst>
+  </p:cSld>
+  <p:clrMapOvr>
+    <a:masterClrMapping/>
+  </p:clrMapOvr>
+</p:sld>
+</file>
+
+<file path=ppt/slides/slide18.xml><?xml version="1.0" encoding="utf-8"?>
+<p:sld xmlns:a="http://schemas.openxmlformats.org/drawingml/2006/main" xmlns:r="http://schemas.openxmlformats.org/officeDocument/2006/relationships" xmlns:p="http://schemas.openxmlformats.org/presentationml/2006/main">
+  <p:cSld>
+    <p:spTree>
+      <p:nvGrpSpPr>
+        <p:cNvPr id="1" name=""/>
+        <p:cNvGrpSpPr/>
+        <p:nvPr/>
+      </p:nvGrpSpPr>
+      <p:grpSpPr>
+        <a:xfrm>
+          <a:off x="0" y="0"/>
+          <a:ext cx="0" cy="0"/>
+          <a:chOff x="0" y="0"/>
+          <a:chExt cx="0" cy="0"/>
+        </a:xfrm>
+      </p:grpSpPr>
+      <p:sp>
+        <p:nvSpPr>
+          <p:cNvPr id="2" name="Title 1">
+            <a:extLst>
+              <a:ext uri="{FF2B5EF4-FFF2-40B4-BE49-F238E27FC236}">
+                <a16:creationId xmlns:a16="http://schemas.microsoft.com/office/drawing/2014/main" id="{5CA3897F-D00B-4C96-888D-A25D3DDB7FCA}"/>
+              </a:ext>
+            </a:extLst>
+          </p:cNvPr>
+          <p:cNvSpPr>
+            <a:spLocks noGrp="1"/>
+          </p:cNvSpPr>
+          <p:nvPr>
+            <p:ph type="title"/>
+          </p:nvPr>
+        </p:nvSpPr>
+        <p:spPr/>
+        <p:txBody>
+          <a:bodyPr/>
+          <a:lstStyle/>
+          <a:p>
+            <a:pPr algn="ctr"/>
+            <a:r>
+              <a:rPr lang="vi-VN" b="1" dirty="0"/>
+              <a:t>Review</a:t>
+            </a:r>
+            <a:r>
+              <a:rPr lang="en-US" b="1" dirty="0"/>
+              <a:t> </a:t>
+            </a:r>
+            <a:r>
+              <a:rPr lang="en-US" b="1" dirty="0">
+                <a:latin typeface="Times New Roman" panose="02020603050405020304" pitchFamily="18" charset="0"/>
+                <a:cs typeface="Times New Roman" panose="02020603050405020304" pitchFamily="18" charset="0"/>
+              </a:rPr>
+              <a:t>project</a:t>
+            </a:r>
+          </a:p>
+        </p:txBody>
+      </p:sp>
+      <p:sp>
+        <p:nvSpPr>
+          <p:cNvPr id="3" name="Content Placeholder 2">
+            <a:extLst>
+              <a:ext uri="{FF2B5EF4-FFF2-40B4-BE49-F238E27FC236}">
+                <a16:creationId xmlns:a16="http://schemas.microsoft.com/office/drawing/2014/main" id="{E66B1F9B-6543-4C14-B17E-516BDCBE731B}"/>
+              </a:ext>
+            </a:extLst>
+          </p:cNvPr>
+          <p:cNvSpPr>
+            <a:spLocks noGrp="1"/>
+          </p:cNvSpPr>
+          <p:nvPr>
+            <p:ph idx="1"/>
+          </p:nvPr>
+        </p:nvSpPr>
+        <p:spPr/>
+        <p:txBody>
+          <a:bodyPr/>
+          <a:lstStyle/>
+          <a:p>
+            <a:pPr marL="0" indent="0">
+              <a:buNone/>
+            </a:pPr>
+            <a:r>
+              <a:rPr lang="vi-VN" dirty="0"/>
+              <a:t> </a:t>
+            </a:r>
+            <a:endParaRPr lang="en-US" dirty="0"/>
+          </a:p>
+        </p:txBody>
+      </p:sp>
+    </p:spTree>
+    <p:extLst>
+      <p:ext uri="{BB962C8B-B14F-4D97-AF65-F5344CB8AC3E}">
+        <p14:creationId xmlns:p14="http://schemas.microsoft.com/office/powerpoint/2010/main" val="1215811109"/>
+      </p:ext>
+    </p:extLst>
+  </p:cSld>
+  <p:clrMapOvr>
+    <a:masterClrMapping/>
+  </p:clrMapOvr>
+</p:sld>
+</file>
+
+<file path=ppt/slides/slide19.xml><?xml version="1.0" encoding="utf-8"?>
+<p:sld xmlns:a="http://schemas.openxmlformats.org/drawingml/2006/main" xmlns:r="http://schemas.openxmlformats.org/officeDocument/2006/relationships" xmlns:p="http://schemas.openxmlformats.org/presentationml/2006/main">
+  <p:cSld>
+    <p:spTree>
+      <p:nvGrpSpPr>
+        <p:cNvPr id="1" name=""/>
+        <p:cNvGrpSpPr/>
+        <p:nvPr/>
+      </p:nvGrpSpPr>
+      <p:grpSpPr>
+        <a:xfrm>
+          <a:off x="0" y="0"/>
+          <a:ext cx="0" cy="0"/>
+          <a:chOff x="0" y="0"/>
+          <a:chExt cx="0" cy="0"/>
+        </a:xfrm>
+      </p:grpSpPr>
+      <p:sp>
+        <p:nvSpPr>
+          <p:cNvPr id="2" name="Title 1">
+            <a:extLst>
+              <a:ext uri="{FF2B5EF4-FFF2-40B4-BE49-F238E27FC236}">
+                <a16:creationId xmlns:a16="http://schemas.microsoft.com/office/drawing/2014/main" id="{0F829EBF-29F2-413A-8929-AA5BCF6D164C}"/>
+              </a:ext>
+            </a:extLst>
+          </p:cNvPr>
+          <p:cNvSpPr>
+            <a:spLocks noGrp="1"/>
+          </p:cNvSpPr>
+          <p:nvPr>
+            <p:ph type="title"/>
+          </p:nvPr>
+        </p:nvSpPr>
+        <p:spPr/>
+        <p:txBody>
+          <a:bodyPr/>
+          <a:lstStyle/>
+          <a:p>
+            <a:pPr algn="ctr"/>
+            <a:r>
+              <a:rPr lang="en-US" b="1" dirty="0">
+                <a:latin typeface="Times New Roman" panose="02020603050405020304" pitchFamily="18" charset="0"/>
+                <a:cs typeface="Times New Roman" panose="02020603050405020304" pitchFamily="18" charset="0"/>
+              </a:rPr>
+              <a:t>T</a:t>
+            </a:r>
+            <a:r>
+              <a:rPr lang="vi-VN" b="1" dirty="0">
+                <a:latin typeface="Times New Roman" panose="02020603050405020304" pitchFamily="18" charset="0"/>
+                <a:cs typeface="Times New Roman" panose="02020603050405020304" pitchFamily="18" charset="0"/>
+              </a:rPr>
+              <a:t>hank for listening </a:t>
+            </a:r>
+            <a:endParaRPr lang="en-US" b="1" dirty="0">
+              <a:latin typeface="Times New Roman" panose="02020603050405020304" pitchFamily="18" charset="0"/>
+              <a:cs typeface="Times New Roman" panose="02020603050405020304" pitchFamily="18" charset="0"/>
+            </a:endParaRPr>
+          </a:p>
+        </p:txBody>
+      </p:sp>
+      <p:sp>
+        <p:nvSpPr>
+          <p:cNvPr id="3" name="Content Placeholder 2">
+            <a:extLst>
+              <a:ext uri="{FF2B5EF4-FFF2-40B4-BE49-F238E27FC236}">
+                <a16:creationId xmlns:a16="http://schemas.microsoft.com/office/drawing/2014/main" id="{65335225-4623-437A-9D58-8A178DF1FC11}"/>
+              </a:ext>
+            </a:extLst>
+          </p:cNvPr>
+          <p:cNvSpPr>
+            <a:spLocks noGrp="1"/>
+          </p:cNvSpPr>
+          <p:nvPr>
+            <p:ph idx="1"/>
+          </p:nvPr>
+        </p:nvSpPr>
+        <p:spPr>
+          <a:xfrm>
+            <a:off x="838200" y="1799499"/>
+            <a:ext cx="10515600" cy="4351338"/>
+          </a:xfrm>
+        </p:spPr>
+        <p:txBody>
+          <a:bodyPr/>
+          <a:lstStyle/>
+          <a:p>
+            <a:pPr marL="0" indent="0">
+              <a:buNone/>
+            </a:pPr>
+            <a:r>
+              <a:rPr lang="en-US" dirty="0"/>
+              <a:t> </a:t>
+            </a:r>
+          </a:p>
+        </p:txBody>
+      </p:sp>
+    </p:spTree>
+    <p:extLst>
+      <p:ext uri="{BB962C8B-B14F-4D97-AF65-F5344CB8AC3E}">
+        <p14:creationId xmlns:p14="http://schemas.microsoft.com/office/powerpoint/2010/main" val="3774630149"/>
       </p:ext>
     </p:extLst>
   </p:cSld>
